--- a/ppt/需求分析ppt0.2.4.pptx
+++ b/ppt/需求分析ppt0.2.4.pptx
@@ -31656,7 +31656,7 @@
       <p:sp>
         <p:nvSpPr>
           <p:cNvPr id="14" name="文本框 13">
-            <a:hlinkClick r:id="rId4" tooltip="" action="ppaction://hlinkfile"/>
+            <a:hlinkClick r:id="rId4" action="ppaction://hlinkfile"/>
           </p:cNvPr>
           <p:cNvSpPr txBox="1"/>
           <p:nvPr/>
